--- a/02Hardware/01Foundation/01Introduction.pptx
+++ b/02Hardware/01Foundation/01Introduction.pptx
@@ -10,10 +10,10 @@
     <p:sldMasterId id="2147483881" r:id="rId6"/>
   </p:sldMasterIdLst>
   <p:notesMasterIdLst>
-    <p:notesMasterId r:id="rId15"/>
+    <p:notesMasterId r:id="rId16"/>
   </p:notesMasterIdLst>
   <p:handoutMasterIdLst>
-    <p:handoutMasterId r:id="rId16"/>
+    <p:handoutMasterId r:id="rId17"/>
   </p:handoutMasterIdLst>
   <p:sldIdLst>
     <p:sldId id="1779" r:id="rId7"/>
@@ -21,14 +21,15 @@
     <p:sldId id="1836" r:id="rId9"/>
     <p:sldId id="1837" r:id="rId10"/>
     <p:sldId id="1838" r:id="rId11"/>
-    <p:sldId id="1840" r:id="rId12"/>
-    <p:sldId id="1839" r:id="rId13"/>
-    <p:sldId id="680" r:id="rId14"/>
+    <p:sldId id="1842" r:id="rId12"/>
+    <p:sldId id="1840" r:id="rId13"/>
+    <p:sldId id="1839" r:id="rId14"/>
+    <p:sldId id="680" r:id="rId15"/>
   </p:sldIdLst>
   <p:sldSz cx="12196763" cy="6858000"/>
   <p:notesSz cx="6805613" cy="9939338"/>
   <p:custDataLst>
-    <p:tags r:id="rId17"/>
+    <p:tags r:id="rId18"/>
   </p:custDataLst>
   <p:defaultTextStyle>
     <a:defPPr>
@@ -558,7 +559,7 @@
             <a:fld id="{C45443A1-D8F2-48CD-A659-3CEDBA8DF541}" type="datetimeFigureOut">
               <a:rPr lang="zh-CN" altLang="en-US" smtClean="0"/>
               <a:pPr/>
-              <a:t>2023/3/10</a:t>
+              <a:t>2024/5/26</a:t>
             </a:fld>
             <a:endParaRPr lang="zh-CN" altLang="en-US"/>
           </a:p>
@@ -878,7 +879,7 @@
                 </a:solidFill>
               </a:rPr>
               <a:pPr/>
-              <a:t>8</a:t>
+              <a:t>9</a:t>
             </a:fld>
             <a:endParaRPr lang="en-US" altLang="zh-CN">
               <a:solidFill>
@@ -925,7 +926,7 @@
                 <a:ea typeface="MS PGothic" pitchFamily="34" charset="-128"/>
               </a:rPr>
               <a:pPr algn="r" defTabSz="931863" eaLnBrk="0" hangingPunct="0"/>
-              <a:t>8</a:t>
+              <a:t>9</a:t>
             </a:fld>
             <a:endParaRPr lang="en-US" altLang="zh-CN" sz="1200">
               <a:solidFill>
@@ -43042,6 +43043,107 @@
       </p:grpSpPr>
       <p:pic>
         <p:nvPicPr>
+          <p:cNvPr id="9" name="图片 8">
+            <a:extLst>
+              <a:ext uri="{FF2B5EF4-FFF2-40B4-BE49-F238E27FC236}">
+                <a16:creationId xmlns:a16="http://schemas.microsoft.com/office/drawing/2014/main" id="{54EC0A4C-2D5F-1347-AE80-53496830FBAE}"/>
+              </a:ext>
+            </a:extLst>
+          </p:cNvPr>
+          <p:cNvPicPr>
+            <a:picLocks noChangeAspect="1"/>
+          </p:cNvPicPr>
+          <p:nvPr/>
+        </p:nvPicPr>
+        <p:blipFill rotWithShape="1">
+          <a:blip r:embed="rId2"/>
+          <a:srcRect l="8071" r="46529"/>
+          <a:stretch/>
+        </p:blipFill>
+        <p:spPr>
+          <a:xfrm>
+            <a:off x="1057821" y="1208485"/>
+            <a:ext cx="3600400" cy="4441030"/>
+          </a:xfrm>
+          <a:prstGeom prst="rect">
+            <a:avLst/>
+          </a:prstGeom>
+        </p:spPr>
+      </p:pic>
+      <p:pic>
+        <p:nvPicPr>
+          <p:cNvPr id="10" name="图片 9">
+            <a:extLst>
+              <a:ext uri="{FF2B5EF4-FFF2-40B4-BE49-F238E27FC236}">
+                <a16:creationId xmlns:a16="http://schemas.microsoft.com/office/drawing/2014/main" id="{1DC49603-8361-D040-9A40-C20D3E146CEA}"/>
+              </a:ext>
+            </a:extLst>
+          </p:cNvPr>
+          <p:cNvPicPr>
+            <a:picLocks noChangeAspect="1"/>
+          </p:cNvPicPr>
+          <p:nvPr/>
+        </p:nvPicPr>
+        <p:blipFill>
+          <a:blip r:embed="rId3"/>
+          <a:stretch>
+            <a:fillRect/>
+          </a:stretch>
+        </p:blipFill>
+        <p:spPr>
+          <a:xfrm>
+            <a:off x="4946253" y="1208485"/>
+            <a:ext cx="6000564" cy="4441030"/>
+          </a:xfrm>
+          <a:prstGeom prst="rect">
+            <a:avLst/>
+          </a:prstGeom>
+        </p:spPr>
+      </p:pic>
+    </p:spTree>
+    <p:extLst>
+      <p:ext uri="{BB962C8B-B14F-4D97-AF65-F5344CB8AC3E}">
+        <p14:creationId xmlns:p14="http://schemas.microsoft.com/office/powerpoint/2010/main" val="2036162629"/>
+      </p:ext>
+    </p:extLst>
+  </p:cSld>
+  <p:clrMapOvr>
+    <a:masterClrMapping/>
+  </p:clrMapOvr>
+  <mc:AlternateContent xmlns:mc="http://schemas.openxmlformats.org/markup-compatibility/2006" xmlns:p159="http://schemas.microsoft.com/office/powerpoint/2015/09/main">
+    <mc:Choice Requires="p159">
+      <p:transition xmlns:p14="http://schemas.microsoft.com/office/powerpoint/2010/main" spd="slow" p14:dur="2000" advClick="0">
+        <p159:morph option="byObject"/>
+      </p:transition>
+    </mc:Choice>
+    <mc:Fallback xmlns="">
+      <p:transition spd="slow" advClick="0">
+        <p:fade/>
+      </p:transition>
+    </mc:Fallback>
+  </mc:AlternateContent>
+</p:sld>
+</file>
+
+<file path=ppt/slides/slide7.xml><?xml version="1.0" encoding="utf-8"?>
+<p:sld xmlns:a="http://schemas.openxmlformats.org/drawingml/2006/main" xmlns:r="http://schemas.openxmlformats.org/officeDocument/2006/relationships" xmlns:p="http://schemas.openxmlformats.org/presentationml/2006/main">
+  <p:cSld>
+    <p:spTree>
+      <p:nvGrpSpPr>
+        <p:cNvPr id="1" name=""/>
+        <p:cNvGrpSpPr/>
+        <p:nvPr/>
+      </p:nvGrpSpPr>
+      <p:grpSpPr>
+        <a:xfrm>
+          <a:off x="0" y="0"/>
+          <a:ext cx="0" cy="0"/>
+          <a:chOff x="0" y="0"/>
+          <a:chExt cx="0" cy="0"/>
+        </a:xfrm>
+      </p:grpSpPr>
+      <p:pic>
+        <p:nvPicPr>
           <p:cNvPr id="12" name="图片 11">
             <a:extLst>
               <a:ext uri="{FF2B5EF4-FFF2-40B4-BE49-F238E27FC236}">
@@ -43101,7 +43203,7 @@
 </p:sld>
 </file>
 
-<file path=ppt/slides/slide7.xml><?xml version="1.0" encoding="utf-8"?>
+<file path=ppt/slides/slide8.xml><?xml version="1.0" encoding="utf-8"?>
 <p:sld xmlns:a="http://schemas.openxmlformats.org/drawingml/2006/main" xmlns:r="http://schemas.openxmlformats.org/officeDocument/2006/relationships" xmlns:p="http://schemas.openxmlformats.org/presentationml/2006/main">
   <p:cSld>
     <p:spTree>
@@ -43283,7 +43385,7 @@
 </p:sld>
 </file>
 
-<file path=ppt/slides/slide8.xml><?xml version="1.0" encoding="utf-8"?>
+<file path=ppt/slides/slide9.xml><?xml version="1.0" encoding="utf-8"?>
 <p:sld xmlns:a="http://schemas.openxmlformats.org/drawingml/2006/main" xmlns:r="http://schemas.openxmlformats.org/officeDocument/2006/relationships" xmlns:p="http://schemas.openxmlformats.org/presentationml/2006/main">
   <p:cSld>
     <p:spTree>
